--- a/C++ 4주차.pptx
+++ b/C++ 4주차.pptx
@@ -303,7 +303,7 @@
           <a:p>
             <a:fld id="{082E6E0C-A4CB-4B23-920D-6A22274570F3}" type="datetimeFigureOut">
               <a:rPr lang="ko-KR" altLang="en-US" smtClean="0"/>
-              <a:t>2021-04-12</a:t>
+              <a:t>2021-05-02</a:t>
             </a:fld>
             <a:endParaRPr lang="ko-KR" altLang="en-US"/>
           </a:p>
@@ -501,7 +501,7 @@
           <a:p>
             <a:fld id="{082E6E0C-A4CB-4B23-920D-6A22274570F3}" type="datetimeFigureOut">
               <a:rPr lang="ko-KR" altLang="en-US" smtClean="0"/>
-              <a:t>2021-04-12</a:t>
+              <a:t>2021-05-02</a:t>
             </a:fld>
             <a:endParaRPr lang="ko-KR" altLang="en-US"/>
           </a:p>
@@ -709,7 +709,7 @@
           <a:p>
             <a:fld id="{082E6E0C-A4CB-4B23-920D-6A22274570F3}" type="datetimeFigureOut">
               <a:rPr lang="ko-KR" altLang="en-US" smtClean="0"/>
-              <a:t>2021-04-12</a:t>
+              <a:t>2021-05-02</a:t>
             </a:fld>
             <a:endParaRPr lang="ko-KR" altLang="en-US"/>
           </a:p>
@@ -907,7 +907,7 @@
           <a:p>
             <a:fld id="{082E6E0C-A4CB-4B23-920D-6A22274570F3}" type="datetimeFigureOut">
               <a:rPr lang="ko-KR" altLang="en-US" smtClean="0"/>
-              <a:t>2021-04-12</a:t>
+              <a:t>2021-05-02</a:t>
             </a:fld>
             <a:endParaRPr lang="ko-KR" altLang="en-US"/>
           </a:p>
@@ -1182,7 +1182,7 @@
           <a:p>
             <a:fld id="{082E6E0C-A4CB-4B23-920D-6A22274570F3}" type="datetimeFigureOut">
               <a:rPr lang="ko-KR" altLang="en-US" smtClean="0"/>
-              <a:t>2021-04-12</a:t>
+              <a:t>2021-05-02</a:t>
             </a:fld>
             <a:endParaRPr lang="ko-KR" altLang="en-US"/>
           </a:p>
@@ -1447,7 +1447,7 @@
           <a:p>
             <a:fld id="{082E6E0C-A4CB-4B23-920D-6A22274570F3}" type="datetimeFigureOut">
               <a:rPr lang="ko-KR" altLang="en-US" smtClean="0"/>
-              <a:t>2021-04-12</a:t>
+              <a:t>2021-05-02</a:t>
             </a:fld>
             <a:endParaRPr lang="ko-KR" altLang="en-US"/>
           </a:p>
@@ -1859,7 +1859,7 @@
           <a:p>
             <a:fld id="{082E6E0C-A4CB-4B23-920D-6A22274570F3}" type="datetimeFigureOut">
               <a:rPr lang="ko-KR" altLang="en-US" smtClean="0"/>
-              <a:t>2021-04-12</a:t>
+              <a:t>2021-05-02</a:t>
             </a:fld>
             <a:endParaRPr lang="ko-KR" altLang="en-US"/>
           </a:p>
@@ -2000,7 +2000,7 @@
           <a:p>
             <a:fld id="{082E6E0C-A4CB-4B23-920D-6A22274570F3}" type="datetimeFigureOut">
               <a:rPr lang="ko-KR" altLang="en-US" smtClean="0"/>
-              <a:t>2021-04-12</a:t>
+              <a:t>2021-05-02</a:t>
             </a:fld>
             <a:endParaRPr lang="ko-KR" altLang="en-US"/>
           </a:p>
@@ -2113,7 +2113,7 @@
           <a:p>
             <a:fld id="{082E6E0C-A4CB-4B23-920D-6A22274570F3}" type="datetimeFigureOut">
               <a:rPr lang="ko-KR" altLang="en-US" smtClean="0"/>
-              <a:t>2021-04-12</a:t>
+              <a:t>2021-05-02</a:t>
             </a:fld>
             <a:endParaRPr lang="ko-KR" altLang="en-US"/>
           </a:p>
@@ -2424,7 +2424,7 @@
           <a:p>
             <a:fld id="{082E6E0C-A4CB-4B23-920D-6A22274570F3}" type="datetimeFigureOut">
               <a:rPr lang="ko-KR" altLang="en-US" smtClean="0"/>
-              <a:t>2021-04-12</a:t>
+              <a:t>2021-05-02</a:t>
             </a:fld>
             <a:endParaRPr lang="ko-KR" altLang="en-US"/>
           </a:p>
@@ -2712,7 +2712,7 @@
           <a:p>
             <a:fld id="{082E6E0C-A4CB-4B23-920D-6A22274570F3}" type="datetimeFigureOut">
               <a:rPr lang="ko-KR" altLang="en-US" smtClean="0"/>
-              <a:t>2021-04-12</a:t>
+              <a:t>2021-05-02</a:t>
             </a:fld>
             <a:endParaRPr lang="ko-KR" altLang="en-US"/>
           </a:p>
@@ -2953,7 +2953,7 @@
           <a:p>
             <a:fld id="{082E6E0C-A4CB-4B23-920D-6A22274570F3}" type="datetimeFigureOut">
               <a:rPr lang="ko-KR" altLang="en-US" smtClean="0"/>
-              <a:t>2021-04-12</a:t>
+              <a:t>2021-05-02</a:t>
             </a:fld>
             <a:endParaRPr lang="ko-KR" altLang="en-US"/>
           </a:p>
@@ -10373,6 +10373,19 @@
               </a:rPr>
               <a:t>동작할당으로 이차원 배열 만들기</a:t>
             </a:r>
+            <a:endParaRPr lang="en-US" altLang="ko-KR" sz="1500">
+              <a:latin typeface="배달의민족 도현" panose="020B0600000101010101" pitchFamily="50" charset="-127"/>
+              <a:ea typeface="배달의민족 도현" panose="020B0600000101010101" pitchFamily="50" charset="-127"/>
+            </a:endParaRPr>
+          </a:p>
+          <a:p>
+            <a:pPr marL="342900" indent="-342900">
+              <a:lnSpc>
+                <a:spcPct val="150000"/>
+              </a:lnSpc>
+              <a:buFont typeface="Arial" panose="020B0604020202020204" pitchFamily="34" charset="0"/>
+              <a:buChar char="•"/>
+            </a:pPr>
             <a:endParaRPr lang="en-US" altLang="ko-KR" sz="1500" dirty="0">
               <a:latin typeface="배달의민족 도현" panose="020B0600000101010101" pitchFamily="50" charset="-127"/>
               <a:ea typeface="배달의민족 도현" panose="020B0600000101010101" pitchFamily="50" charset="-127"/>
@@ -13817,18 +13830,18 @@
 </file>
 
 <file path=customXml/item1.xml><?xml version="1.0" encoding="utf-8"?>
+<p:properties xmlns:p="http://schemas.microsoft.com/office/2006/metadata/properties" xmlns:xsi="http://www.w3.org/2001/XMLSchema-instance" xmlns:pc="http://schemas.microsoft.com/office/infopath/2007/PartnerControls">
+  <documentManagement/>
+</p:properties>
+</file>
+
+<file path=customXml/item2.xml><?xml version="1.0" encoding="utf-8"?>
 <?mso-contentType ?>
 <FormTemplates xmlns="http://schemas.microsoft.com/sharepoint/v3/contenttype/forms">
   <Display>DocumentLibraryForm</Display>
   <Edit>DocumentLibraryForm</Edit>
   <New>DocumentLibraryForm</New>
 </FormTemplates>
-</file>
-
-<file path=customXml/item2.xml><?xml version="1.0" encoding="utf-8"?>
-<p:properties xmlns:p="http://schemas.microsoft.com/office/2006/metadata/properties" xmlns:xsi="http://www.w3.org/2001/XMLSchema-instance" xmlns:pc="http://schemas.microsoft.com/office/infopath/2007/PartnerControls">
-  <documentManagement/>
-</p:properties>
 </file>
 
 <file path=customXml/item3.xml><?xml version="1.0" encoding="utf-8"?>
@@ -13964,18 +13977,18 @@
 </file>
 
 <file path=customXml/itemProps1.xml><?xml version="1.0" encoding="utf-8"?>
-<ds:datastoreItem xmlns:ds="http://schemas.openxmlformats.org/officeDocument/2006/customXml" ds:itemID="{1699AFB8-EEB3-4972-AC62-6AC25AAD1457}">
+<ds:datastoreItem xmlns:ds="http://schemas.openxmlformats.org/officeDocument/2006/customXml" ds:itemID="{D1DA4B1B-3FD5-4A90-AA4C-35EE3AFAF6C1}">
   <ds:schemaRefs>
-    <ds:schemaRef ds:uri="http://schemas.microsoft.com/sharepoint/v3/contenttype/forms"/>
+    <ds:schemaRef ds:uri="http://schemas.microsoft.com/office/2006/metadata/properties"/>
+    <ds:schemaRef ds:uri="http://schemas.microsoft.com/office/infopath/2007/PartnerControls"/>
   </ds:schemaRefs>
 </ds:datastoreItem>
 </file>
 
 <file path=customXml/itemProps2.xml><?xml version="1.0" encoding="utf-8"?>
-<ds:datastoreItem xmlns:ds="http://schemas.openxmlformats.org/officeDocument/2006/customXml" ds:itemID="{D1DA4B1B-3FD5-4A90-AA4C-35EE3AFAF6C1}">
+<ds:datastoreItem xmlns:ds="http://schemas.openxmlformats.org/officeDocument/2006/customXml" ds:itemID="{1699AFB8-EEB3-4972-AC62-6AC25AAD1457}">
   <ds:schemaRefs>
-    <ds:schemaRef ds:uri="http://schemas.microsoft.com/office/2006/metadata/properties"/>
-    <ds:schemaRef ds:uri="http://schemas.microsoft.com/office/infopath/2007/PartnerControls"/>
+    <ds:schemaRef ds:uri="http://schemas.microsoft.com/sharepoint/v3/contenttype/forms"/>
   </ds:schemaRefs>
 </ds:datastoreItem>
 </file>

--- a/C++ 4주차.pptx
+++ b/C++ 4주차.pptx
@@ -303,7 +303,7 @@
           <a:p>
             <a:fld id="{082E6E0C-A4CB-4B23-920D-6A22274570F3}" type="datetimeFigureOut">
               <a:rPr lang="ko-KR" altLang="en-US" smtClean="0"/>
-              <a:t>2021-05-02</a:t>
+              <a:t>2021-05-03</a:t>
             </a:fld>
             <a:endParaRPr lang="ko-KR" altLang="en-US"/>
           </a:p>
@@ -501,7 +501,7 @@
           <a:p>
             <a:fld id="{082E6E0C-A4CB-4B23-920D-6A22274570F3}" type="datetimeFigureOut">
               <a:rPr lang="ko-KR" altLang="en-US" smtClean="0"/>
-              <a:t>2021-05-02</a:t>
+              <a:t>2021-05-03</a:t>
             </a:fld>
             <a:endParaRPr lang="ko-KR" altLang="en-US"/>
           </a:p>
@@ -709,7 +709,7 @@
           <a:p>
             <a:fld id="{082E6E0C-A4CB-4B23-920D-6A22274570F3}" type="datetimeFigureOut">
               <a:rPr lang="ko-KR" altLang="en-US" smtClean="0"/>
-              <a:t>2021-05-02</a:t>
+              <a:t>2021-05-03</a:t>
             </a:fld>
             <a:endParaRPr lang="ko-KR" altLang="en-US"/>
           </a:p>
@@ -907,7 +907,7 @@
           <a:p>
             <a:fld id="{082E6E0C-A4CB-4B23-920D-6A22274570F3}" type="datetimeFigureOut">
               <a:rPr lang="ko-KR" altLang="en-US" smtClean="0"/>
-              <a:t>2021-05-02</a:t>
+              <a:t>2021-05-03</a:t>
             </a:fld>
             <a:endParaRPr lang="ko-KR" altLang="en-US"/>
           </a:p>
@@ -1182,7 +1182,7 @@
           <a:p>
             <a:fld id="{082E6E0C-A4CB-4B23-920D-6A22274570F3}" type="datetimeFigureOut">
               <a:rPr lang="ko-KR" altLang="en-US" smtClean="0"/>
-              <a:t>2021-05-02</a:t>
+              <a:t>2021-05-03</a:t>
             </a:fld>
             <a:endParaRPr lang="ko-KR" altLang="en-US"/>
           </a:p>
@@ -1447,7 +1447,7 @@
           <a:p>
             <a:fld id="{082E6E0C-A4CB-4B23-920D-6A22274570F3}" type="datetimeFigureOut">
               <a:rPr lang="ko-KR" altLang="en-US" smtClean="0"/>
-              <a:t>2021-05-02</a:t>
+              <a:t>2021-05-03</a:t>
             </a:fld>
             <a:endParaRPr lang="ko-KR" altLang="en-US"/>
           </a:p>
@@ -1859,7 +1859,7 @@
           <a:p>
             <a:fld id="{082E6E0C-A4CB-4B23-920D-6A22274570F3}" type="datetimeFigureOut">
               <a:rPr lang="ko-KR" altLang="en-US" smtClean="0"/>
-              <a:t>2021-05-02</a:t>
+              <a:t>2021-05-03</a:t>
             </a:fld>
             <a:endParaRPr lang="ko-KR" altLang="en-US"/>
           </a:p>
@@ -2000,7 +2000,7 @@
           <a:p>
             <a:fld id="{082E6E0C-A4CB-4B23-920D-6A22274570F3}" type="datetimeFigureOut">
               <a:rPr lang="ko-KR" altLang="en-US" smtClean="0"/>
-              <a:t>2021-05-02</a:t>
+              <a:t>2021-05-03</a:t>
             </a:fld>
             <a:endParaRPr lang="ko-KR" altLang="en-US"/>
           </a:p>
@@ -2113,7 +2113,7 @@
           <a:p>
             <a:fld id="{082E6E0C-A4CB-4B23-920D-6A22274570F3}" type="datetimeFigureOut">
               <a:rPr lang="ko-KR" altLang="en-US" smtClean="0"/>
-              <a:t>2021-05-02</a:t>
+              <a:t>2021-05-03</a:t>
             </a:fld>
             <a:endParaRPr lang="ko-KR" altLang="en-US"/>
           </a:p>
@@ -2424,7 +2424,7 @@
           <a:p>
             <a:fld id="{082E6E0C-A4CB-4B23-920D-6A22274570F3}" type="datetimeFigureOut">
               <a:rPr lang="ko-KR" altLang="en-US" smtClean="0"/>
-              <a:t>2021-05-02</a:t>
+              <a:t>2021-05-03</a:t>
             </a:fld>
             <a:endParaRPr lang="ko-KR" altLang="en-US"/>
           </a:p>
@@ -2712,7 +2712,7 @@
           <a:p>
             <a:fld id="{082E6E0C-A4CB-4B23-920D-6A22274570F3}" type="datetimeFigureOut">
               <a:rPr lang="ko-KR" altLang="en-US" smtClean="0"/>
-              <a:t>2021-05-02</a:t>
+              <a:t>2021-05-03</a:t>
             </a:fld>
             <a:endParaRPr lang="ko-KR" altLang="en-US"/>
           </a:p>
@@ -2953,7 +2953,7 @@
           <a:p>
             <a:fld id="{082E6E0C-A4CB-4B23-920D-6A22274570F3}" type="datetimeFigureOut">
               <a:rPr lang="ko-KR" altLang="en-US" smtClean="0"/>
-              <a:t>2021-05-02</a:t>
+              <a:t>2021-05-03</a:t>
             </a:fld>
             <a:endParaRPr lang="ko-KR" altLang="en-US"/>
           </a:p>
@@ -13830,18 +13830,18 @@
 </file>
 
 <file path=customXml/item1.xml><?xml version="1.0" encoding="utf-8"?>
-<p:properties xmlns:p="http://schemas.microsoft.com/office/2006/metadata/properties" xmlns:xsi="http://www.w3.org/2001/XMLSchema-instance" xmlns:pc="http://schemas.microsoft.com/office/infopath/2007/PartnerControls">
-  <documentManagement/>
-</p:properties>
-</file>
-
-<file path=customXml/item2.xml><?xml version="1.0" encoding="utf-8"?>
 <?mso-contentType ?>
 <FormTemplates xmlns="http://schemas.microsoft.com/sharepoint/v3/contenttype/forms">
   <Display>DocumentLibraryForm</Display>
   <Edit>DocumentLibraryForm</Edit>
   <New>DocumentLibraryForm</New>
 </FormTemplates>
+</file>
+
+<file path=customXml/item2.xml><?xml version="1.0" encoding="utf-8"?>
+<p:properties xmlns:p="http://schemas.microsoft.com/office/2006/metadata/properties" xmlns:xsi="http://www.w3.org/2001/XMLSchema-instance" xmlns:pc="http://schemas.microsoft.com/office/infopath/2007/PartnerControls">
+  <documentManagement/>
+</p:properties>
 </file>
 
 <file path=customXml/item3.xml><?xml version="1.0" encoding="utf-8"?>
@@ -13977,18 +13977,18 @@
 </file>
 
 <file path=customXml/itemProps1.xml><?xml version="1.0" encoding="utf-8"?>
-<ds:datastoreItem xmlns:ds="http://schemas.openxmlformats.org/officeDocument/2006/customXml" ds:itemID="{D1DA4B1B-3FD5-4A90-AA4C-35EE3AFAF6C1}">
+<ds:datastoreItem xmlns:ds="http://schemas.openxmlformats.org/officeDocument/2006/customXml" ds:itemID="{1699AFB8-EEB3-4972-AC62-6AC25AAD1457}">
   <ds:schemaRefs>
-    <ds:schemaRef ds:uri="http://schemas.microsoft.com/office/2006/metadata/properties"/>
-    <ds:schemaRef ds:uri="http://schemas.microsoft.com/office/infopath/2007/PartnerControls"/>
+    <ds:schemaRef ds:uri="http://schemas.microsoft.com/sharepoint/v3/contenttype/forms"/>
   </ds:schemaRefs>
 </ds:datastoreItem>
 </file>
 
 <file path=customXml/itemProps2.xml><?xml version="1.0" encoding="utf-8"?>
-<ds:datastoreItem xmlns:ds="http://schemas.openxmlformats.org/officeDocument/2006/customXml" ds:itemID="{1699AFB8-EEB3-4972-AC62-6AC25AAD1457}">
+<ds:datastoreItem xmlns:ds="http://schemas.openxmlformats.org/officeDocument/2006/customXml" ds:itemID="{D1DA4B1B-3FD5-4A90-AA4C-35EE3AFAF6C1}">
   <ds:schemaRefs>
-    <ds:schemaRef ds:uri="http://schemas.microsoft.com/sharepoint/v3/contenttype/forms"/>
+    <ds:schemaRef ds:uri="http://schemas.microsoft.com/office/2006/metadata/properties"/>
+    <ds:schemaRef ds:uri="http://schemas.microsoft.com/office/infopath/2007/PartnerControls"/>
   </ds:schemaRefs>
 </ds:datastoreItem>
 </file>
